--- a/Day4_Vector_Space_Transformation_and_Quantum_Gates/Day_4.pptx
+++ b/Day4_Vector_Space_Transformation_and_Quantum_Gates/Day_4.pptx
@@ -135,6 +135,7 @@
   <p1510:revLst>
     <p1510:client id="{09B349BA-9366-4B92-A081-E1C691FC1091}" v="135" dt="2020-09-16T16:23:27.032"/>
     <p1510:client id="{698DE26A-DB9C-1BEE-4E99-EAC3EFC31B52}" v="1994" dt="2020-09-20T11:35:34.114"/>
+    <p1510:client id="{6EB96A9F-2CAC-43AE-8028-58CA172DFF21}" v="10" dt="2021-01-11T07:40:27.337"/>
     <p1510:client id="{EEAD323C-84F6-D930-492F-46A3B72945B7}" v="4" dt="2020-09-20T12:54:25.669"/>
   </p1510:revLst>
 </p1510:revInfo>
@@ -271,7 +272,7 @@
           <a:p>
             <a:fld id="{846CE7D5-CF57-46EF-B807-FDD0502418D4}" type="datetimeFigureOut">
               <a:rPr lang="en-US" smtClean="0"/>
-              <a:t>9/20/2020</a:t>
+              <a:t>1/10/2021</a:t>
             </a:fld>
             <a:endParaRPr lang="en-US"/>
           </a:p>
@@ -441,7 +442,7 @@
           <a:p>
             <a:fld id="{846CE7D5-CF57-46EF-B807-FDD0502418D4}" type="datetimeFigureOut">
               <a:rPr lang="en-US" smtClean="0"/>
-              <a:t>9/20/2020</a:t>
+              <a:t>1/10/2021</a:t>
             </a:fld>
             <a:endParaRPr lang="en-US"/>
           </a:p>
@@ -621,7 +622,7 @@
           <a:p>
             <a:fld id="{846CE7D5-CF57-46EF-B807-FDD0502418D4}" type="datetimeFigureOut">
               <a:rPr lang="en-US" smtClean="0"/>
-              <a:t>9/20/2020</a:t>
+              <a:t>1/10/2021</a:t>
             </a:fld>
             <a:endParaRPr lang="en-US"/>
           </a:p>
@@ -791,7 +792,7 @@
           <a:p>
             <a:fld id="{846CE7D5-CF57-46EF-B807-FDD0502418D4}" type="datetimeFigureOut">
               <a:rPr lang="en-US" smtClean="0"/>
-              <a:t>9/20/2020</a:t>
+              <a:t>1/10/2021</a:t>
             </a:fld>
             <a:endParaRPr lang="en-US"/>
           </a:p>
@@ -1037,7 +1038,7 @@
           <a:p>
             <a:fld id="{846CE7D5-CF57-46EF-B807-FDD0502418D4}" type="datetimeFigureOut">
               <a:rPr lang="en-US" smtClean="0"/>
-              <a:t>9/20/2020</a:t>
+              <a:t>1/10/2021</a:t>
             </a:fld>
             <a:endParaRPr lang="en-US"/>
           </a:p>
@@ -1269,7 +1270,7 @@
           <a:p>
             <a:fld id="{846CE7D5-CF57-46EF-B807-FDD0502418D4}" type="datetimeFigureOut">
               <a:rPr lang="en-US" smtClean="0"/>
-              <a:t>9/20/2020</a:t>
+              <a:t>1/10/2021</a:t>
             </a:fld>
             <a:endParaRPr lang="en-US"/>
           </a:p>
@@ -1636,7 +1637,7 @@
           <a:p>
             <a:fld id="{846CE7D5-CF57-46EF-B807-FDD0502418D4}" type="datetimeFigureOut">
               <a:rPr lang="en-US" smtClean="0"/>
-              <a:t>9/20/2020</a:t>
+              <a:t>1/10/2021</a:t>
             </a:fld>
             <a:endParaRPr lang="en-US"/>
           </a:p>
@@ -1754,7 +1755,7 @@
           <a:p>
             <a:fld id="{846CE7D5-CF57-46EF-B807-FDD0502418D4}" type="datetimeFigureOut">
               <a:rPr lang="en-US" smtClean="0"/>
-              <a:t>9/20/2020</a:t>
+              <a:t>1/10/2021</a:t>
             </a:fld>
             <a:endParaRPr lang="en-US"/>
           </a:p>
@@ -1849,7 +1850,7 @@
           <a:p>
             <a:fld id="{846CE7D5-CF57-46EF-B807-FDD0502418D4}" type="datetimeFigureOut">
               <a:rPr lang="en-US" smtClean="0"/>
-              <a:t>9/20/2020</a:t>
+              <a:t>1/10/2021</a:t>
             </a:fld>
             <a:endParaRPr lang="en-US"/>
           </a:p>
@@ -2126,7 +2127,7 @@
           <a:p>
             <a:fld id="{846CE7D5-CF57-46EF-B807-FDD0502418D4}" type="datetimeFigureOut">
               <a:rPr lang="en-US" smtClean="0"/>
-              <a:t>9/20/2020</a:t>
+              <a:t>1/10/2021</a:t>
             </a:fld>
             <a:endParaRPr lang="en-US"/>
           </a:p>
@@ -2383,7 +2384,7 @@
           <a:p>
             <a:fld id="{846CE7D5-CF57-46EF-B807-FDD0502418D4}" type="datetimeFigureOut">
               <a:rPr lang="en-US" smtClean="0"/>
-              <a:t>9/20/2020</a:t>
+              <a:t>1/10/2021</a:t>
             </a:fld>
             <a:endParaRPr lang="en-US"/>
           </a:p>
@@ -2596,7 +2597,7 @@
           <a:p>
             <a:fld id="{846CE7D5-CF57-46EF-B807-FDD0502418D4}" type="datetimeFigureOut">
               <a:rPr lang="en-US" smtClean="0"/>
-              <a:t>9/20/2020</a:t>
+              <a:t>1/10/2021</a:t>
             </a:fld>
             <a:endParaRPr lang="en-US"/>
           </a:p>
@@ -3241,34 +3242,16 @@
             </a:pPr>
             <a:r>
               <a:rPr lang="en-US" sz="2000" cap="all" dirty="0">
-                <a:latin typeface="Corbel"/>
+                <a:ea typeface="+mn-lt"/>
+                <a:cs typeface="+mn-lt"/>
               </a:rPr>
-              <a:t>QUANTUM COMPUTATION COMMUNITY </a:t>
-            </a:r>
+              <a:t>INTRODUCTION TO QUANTUM COMPUTATION </a:t>
+            </a:r>
+            <a:endParaRPr lang="en-US" dirty="0"/>
+          </a:p>
+          <a:p>
             <a:endParaRPr lang="en-US" sz="2000" dirty="0">
-              <a:ea typeface="+mn-lt"/>
-              <a:cs typeface="+mn-lt"/>
-            </a:endParaRPr>
-          </a:p>
-          <a:p>
-            <a:pPr>
-              <a:spcBef>
-                <a:spcPts val="0"/>
-              </a:spcBef>
-            </a:pPr>
-            <a:r>
-              <a:rPr lang="en-US" sz="2000" cap="all" dirty="0">
-                <a:latin typeface="Corbel"/>
-              </a:rPr>
-              <a:t>IISER-K</a:t>
-            </a:r>
-            <a:endParaRPr lang="en-US" sz="2000" dirty="0">
-              <a:ea typeface="+mn-lt"/>
-              <a:cs typeface="+mn-lt"/>
-            </a:endParaRPr>
-          </a:p>
-          <a:p>
-            <a:endParaRPr lang="en-US" sz="2000" dirty="0">
+              <a:latin typeface="Calibri"/>
               <a:cs typeface="Calibri"/>
             </a:endParaRPr>
           </a:p>
